--- a/pitch_deck.pptx
+++ b/pitch_deck.pptx
@@ -12,7 +12,7 @@
     <p:sldId id="260" r:id="rId6"/>
     <p:sldId id="261" r:id="rId7"/>
     <p:sldId id="262" r:id="rId8"/>
-    <p:sldId id="263" r:id="rId9"/>
+    <p:sldId id="269" r:id="rId9"/>
     <p:sldId id="264" r:id="rId10"/>
     <p:sldId id="265" r:id="rId11"/>
     <p:sldId id="266" r:id="rId12"/>
@@ -5758,6 +5758,14 @@
   <p:clrMapOvr>
     <a:masterClrMapping/>
   </p:clrMapOvr>
+  <mc:AlternateContent xmlns:mc="http://schemas.openxmlformats.org/markup-compatibility/2006">
+    <mc:Choice xmlns:p14="http://schemas.microsoft.com/office/powerpoint/2010/main" Requires="p14">
+      <p:transition spd="slow" p14:dur="2000" advTm="8249"/>
+    </mc:Choice>
+    <mc:Fallback>
+      <p:transition spd="slow" advTm="8249"/>
+    </mc:Fallback>
+  </mc:AlternateContent>
 </p:sld>
 </file>
 
@@ -6001,7 +6009,7 @@
           </p:nvPr>
         </p:nvPicPr>
         <p:blipFill rotWithShape="1">
-          <a:blip r:embed="rId2">
+          <a:blip r:embed="rId3">
             <a:extLst>
               <a:ext uri="{28A0092B-C50C-407E-A947-70E740481C1C}">
                 <a14:useLocalDpi xmlns:a14="http://schemas.microsoft.com/office/drawing/2010/main" val="0"/>
@@ -6101,7 +6109,7 @@
           </p:nvPr>
         </p:nvPicPr>
         <p:blipFill rotWithShape="1">
-          <a:blip r:embed="rId3">
+          <a:blip r:embed="rId4">
             <a:extLst>
               <a:ext uri="{28A0092B-C50C-407E-A947-70E740481C1C}">
                 <a14:useLocalDpi xmlns:a14="http://schemas.microsoft.com/office/drawing/2010/main" val="0"/>
@@ -6136,7 +6144,7 @@
           <p:nvPr/>
         </p:nvPicPr>
         <p:blipFill>
-          <a:blip r:embed="rId4"/>
+          <a:blip r:embed="rId5"/>
           <a:stretch>
             <a:fillRect/>
           </a:stretch>
@@ -6152,6 +6160,9 @@
         </p:spPr>
       </p:pic>
     </p:spTree>
+    <p:custDataLst>
+      <p:tags r:id="rId1"/>
+    </p:custDataLst>
     <p:extLst>
       <p:ext uri="{BB962C8B-B14F-4D97-AF65-F5344CB8AC3E}">
         <p14:creationId xmlns:p14="http://schemas.microsoft.com/office/powerpoint/2010/main" val="579855833"/>
@@ -6161,81 +6172,14 @@
   <p:clrMapOvr>
     <a:overrideClrMapping bg1="lt1" tx1="dk1" bg2="lt2" tx2="dk2" accent1="accent1" accent2="accent2" accent3="accent3" accent4="accent4" accent5="accent5" accent6="accent6" hlink="hlink" folHlink="folHlink"/>
   </p:clrMapOvr>
-  <p:timing>
-    <p:tnLst>
-      <p:par>
-        <p:cTn id="1" dur="indefinite" restart="never" nodeType="tmRoot">
-          <p:childTnLst>
-            <p:seq concurrent="1" nextAc="seek">
-              <p:cTn id="2" dur="indefinite" nodeType="mainSeq">
-                <p:childTnLst>
-                  <p:par>
-                    <p:cTn id="3" fill="hold">
-                      <p:stCondLst>
-                        <p:cond delay="indefinite"/>
-                      </p:stCondLst>
-                      <p:childTnLst>
-                        <p:par>
-                          <p:cTn id="4" fill="hold">
-                            <p:stCondLst>
-                              <p:cond delay="0"/>
-                            </p:stCondLst>
-                            <p:childTnLst>
-                              <p:par>
-                                <p:cTn id="5" presetID="1" presetClass="entr" presetSubtype="0" fill="hold" nodeType="clickEffect">
-                                  <p:stCondLst>
-                                    <p:cond delay="0"/>
-                                  </p:stCondLst>
-                                  <p:childTnLst>
-                                    <p:set>
-                                      <p:cBhvr>
-                                        <p:cTn id="6" dur="1" fill="hold">
-                                          <p:stCondLst>
-                                            <p:cond delay="0"/>
-                                          </p:stCondLst>
-                                        </p:cTn>
-                                        <p:tgtEl>
-                                          <p:spTgt spid="5"/>
-                                        </p:tgtEl>
-                                        <p:attrNameLst>
-                                          <p:attrName>style.visibility</p:attrName>
-                                        </p:attrNameLst>
-                                      </p:cBhvr>
-                                      <p:to>
-                                        <p:strVal val="visible"/>
-                                      </p:to>
-                                    </p:set>
-                                  </p:childTnLst>
-                                </p:cTn>
-                              </p:par>
-                            </p:childTnLst>
-                          </p:cTn>
-                        </p:par>
-                      </p:childTnLst>
-                    </p:cTn>
-                  </p:par>
-                </p:childTnLst>
-              </p:cTn>
-              <p:prevCondLst>
-                <p:cond evt="onPrev" delay="0">
-                  <p:tgtEl>
-                    <p:sldTgt/>
-                  </p:tgtEl>
-                </p:cond>
-              </p:prevCondLst>
-              <p:nextCondLst>
-                <p:cond evt="onNext" delay="0">
-                  <p:tgtEl>
-                    <p:sldTgt/>
-                  </p:tgtEl>
-                </p:cond>
-              </p:nextCondLst>
-            </p:seq>
-          </p:childTnLst>
-        </p:cTn>
-      </p:par>
-    </p:tnLst>
-  </p:timing>
+  <mc:AlternateContent xmlns:mc="http://schemas.openxmlformats.org/markup-compatibility/2006">
+    <mc:Choice xmlns:p14="http://schemas.microsoft.com/office/powerpoint/2010/main" Requires="p14">
+      <p:transition spd="slow" p14:dur="2000" advTm="24080"/>
+    </mc:Choice>
+    <mc:Fallback>
+      <p:transition spd="slow" advTm="24080"/>
+    </mc:Fallback>
+  </mc:AlternateContent>
 </p:sld>
 </file>
 
@@ -6384,7 +6328,7 @@
           <p:nvPr/>
         </p:nvPicPr>
         <p:blipFill>
-          <a:blip r:embed="rId2"/>
+          <a:blip r:embed="rId3"/>
           <a:stretch>
             <a:fillRect/>
           </a:stretch>
@@ -6414,7 +6358,7 @@
           <p:nvPr/>
         </p:nvPicPr>
         <p:blipFill>
-          <a:blip r:embed="rId3"/>
+          <a:blip r:embed="rId4"/>
           <a:stretch>
             <a:fillRect/>
           </a:stretch>
@@ -6444,7 +6388,7 @@
           <p:nvPr/>
         </p:nvPicPr>
         <p:blipFill>
-          <a:blip r:embed="rId4"/>
+          <a:blip r:embed="rId5"/>
           <a:stretch>
             <a:fillRect/>
           </a:stretch>
@@ -6474,7 +6418,7 @@
           <p:nvPr/>
         </p:nvPicPr>
         <p:blipFill>
-          <a:blip r:embed="rId5"/>
+          <a:blip r:embed="rId6"/>
           <a:stretch>
             <a:fillRect/>
           </a:stretch>
@@ -6504,7 +6448,7 @@
           <p:nvPr/>
         </p:nvPicPr>
         <p:blipFill>
-          <a:blip r:embed="rId6"/>
+          <a:blip r:embed="rId7"/>
           <a:stretch>
             <a:fillRect/>
           </a:stretch>
@@ -6857,6 +6801,9 @@
         </p:txBody>
       </p:sp>
     </p:spTree>
+    <p:custDataLst>
+      <p:tags r:id="rId1"/>
+    </p:custDataLst>
     <p:extLst>
       <p:ext uri="{BB962C8B-B14F-4D97-AF65-F5344CB8AC3E}">
         <p14:creationId xmlns:p14="http://schemas.microsoft.com/office/powerpoint/2010/main" val="2311620603"/>
@@ -6866,738 +6813,14 @@
   <p:clrMapOvr>
     <a:masterClrMapping/>
   </p:clrMapOvr>
-  <p:timing>
-    <p:tnLst>
-      <p:par>
-        <p:cTn id="1" dur="indefinite" restart="never" nodeType="tmRoot">
-          <p:childTnLst>
-            <p:seq concurrent="1" nextAc="seek">
-              <p:cTn id="2" dur="indefinite" nodeType="mainSeq">
-                <p:childTnLst>
-                  <p:par>
-                    <p:cTn id="3" fill="hold">
-                      <p:stCondLst>
-                        <p:cond delay="indefinite"/>
-                      </p:stCondLst>
-                      <p:childTnLst>
-                        <p:par>
-                          <p:cTn id="4" fill="hold">
-                            <p:stCondLst>
-                              <p:cond delay="0"/>
-                            </p:stCondLst>
-                            <p:childTnLst>
-                              <p:par>
-                                <p:cTn id="5" presetID="1" presetClass="entr" presetSubtype="0" fill="hold" nodeType="clickEffect">
-                                  <p:stCondLst>
-                                    <p:cond delay="0"/>
-                                  </p:stCondLst>
-                                  <p:childTnLst>
-                                    <p:set>
-                                      <p:cBhvr>
-                                        <p:cTn id="6" dur="1" fill="hold">
-                                          <p:stCondLst>
-                                            <p:cond delay="0"/>
-                                          </p:stCondLst>
-                                        </p:cTn>
-                                        <p:tgtEl>
-                                          <p:spTgt spid="3">
-                                            <p:txEl>
-                                              <p:pRg st="0" end="0"/>
-                                            </p:txEl>
-                                          </p:spTgt>
-                                        </p:tgtEl>
-                                        <p:attrNameLst>
-                                          <p:attrName>style.visibility</p:attrName>
-                                        </p:attrNameLst>
-                                      </p:cBhvr>
-                                      <p:to>
-                                        <p:strVal val="visible"/>
-                                      </p:to>
-                                    </p:set>
-                                  </p:childTnLst>
-                                </p:cTn>
-                              </p:par>
-                            </p:childTnLst>
-                          </p:cTn>
-                        </p:par>
-                      </p:childTnLst>
-                    </p:cTn>
-                  </p:par>
-                  <p:par>
-                    <p:cTn id="7" fill="hold">
-                      <p:stCondLst>
-                        <p:cond delay="indefinite"/>
-                      </p:stCondLst>
-                      <p:childTnLst>
-                        <p:par>
-                          <p:cTn id="8" fill="hold">
-                            <p:stCondLst>
-                              <p:cond delay="0"/>
-                            </p:stCondLst>
-                            <p:childTnLst>
-                              <p:par>
-                                <p:cTn id="9" presetID="1" presetClass="entr" presetSubtype="0" fill="hold" nodeType="clickEffect">
-                                  <p:stCondLst>
-                                    <p:cond delay="0"/>
-                                  </p:stCondLst>
-                                  <p:childTnLst>
-                                    <p:set>
-                                      <p:cBhvr>
-                                        <p:cTn id="10" dur="1" fill="hold">
-                                          <p:stCondLst>
-                                            <p:cond delay="0"/>
-                                          </p:stCondLst>
-                                        </p:cTn>
-                                        <p:tgtEl>
-                                          <p:spTgt spid="13"/>
-                                        </p:tgtEl>
-                                        <p:attrNameLst>
-                                          <p:attrName>style.visibility</p:attrName>
-                                        </p:attrNameLst>
-                                      </p:cBhvr>
-                                      <p:to>
-                                        <p:strVal val="visible"/>
-                                      </p:to>
-                                    </p:set>
-                                  </p:childTnLst>
-                                </p:cTn>
-                              </p:par>
-                            </p:childTnLst>
-                          </p:cTn>
-                        </p:par>
-                      </p:childTnLst>
-                    </p:cTn>
-                  </p:par>
-                  <p:par>
-                    <p:cTn id="11" fill="hold">
-                      <p:stCondLst>
-                        <p:cond delay="indefinite"/>
-                      </p:stCondLst>
-                      <p:childTnLst>
-                        <p:par>
-                          <p:cTn id="12" fill="hold">
-                            <p:stCondLst>
-                              <p:cond delay="0"/>
-                            </p:stCondLst>
-                            <p:childTnLst>
-                              <p:par>
-                                <p:cTn id="13" presetID="1" presetClass="entr" presetSubtype="0" fill="hold" grpId="0" nodeType="clickEffect">
-                                  <p:stCondLst>
-                                    <p:cond delay="0"/>
-                                  </p:stCondLst>
-                                  <p:childTnLst>
-                                    <p:set>
-                                      <p:cBhvr>
-                                        <p:cTn id="14" dur="1" fill="hold">
-                                          <p:stCondLst>
-                                            <p:cond delay="0"/>
-                                          </p:stCondLst>
-                                        </p:cTn>
-                                        <p:tgtEl>
-                                          <p:spTgt spid="16"/>
-                                        </p:tgtEl>
-                                        <p:attrNameLst>
-                                          <p:attrName>style.visibility</p:attrName>
-                                        </p:attrNameLst>
-                                      </p:cBhvr>
-                                      <p:to>
-                                        <p:strVal val="visible"/>
-                                      </p:to>
-                                    </p:set>
-                                  </p:childTnLst>
-                                </p:cTn>
-                              </p:par>
-                            </p:childTnLst>
-                          </p:cTn>
-                        </p:par>
-                      </p:childTnLst>
-                    </p:cTn>
-                  </p:par>
-                  <p:par>
-                    <p:cTn id="15" fill="hold">
-                      <p:stCondLst>
-                        <p:cond delay="indefinite"/>
-                      </p:stCondLst>
-                      <p:childTnLst>
-                        <p:par>
-                          <p:cTn id="16" fill="hold">
-                            <p:stCondLst>
-                              <p:cond delay="0"/>
-                            </p:stCondLst>
-                            <p:childTnLst>
-                              <p:par>
-                                <p:cTn id="17" presetID="1" presetClass="entr" presetSubtype="0" fill="hold" nodeType="clickEffect">
-                                  <p:stCondLst>
-                                    <p:cond delay="0"/>
-                                  </p:stCondLst>
-                                  <p:childTnLst>
-                                    <p:set>
-                                      <p:cBhvr>
-                                        <p:cTn id="18" dur="1" fill="hold">
-                                          <p:stCondLst>
-                                            <p:cond delay="0"/>
-                                          </p:stCondLst>
-                                        </p:cTn>
-                                        <p:tgtEl>
-                                          <p:spTgt spid="3">
-                                            <p:txEl>
-                                              <p:pRg st="1" end="1"/>
-                                            </p:txEl>
-                                          </p:spTgt>
-                                        </p:tgtEl>
-                                        <p:attrNameLst>
-                                          <p:attrName>style.visibility</p:attrName>
-                                        </p:attrNameLst>
-                                      </p:cBhvr>
-                                      <p:to>
-                                        <p:strVal val="visible"/>
-                                      </p:to>
-                                    </p:set>
-                                  </p:childTnLst>
-                                </p:cTn>
-                              </p:par>
-                            </p:childTnLst>
-                          </p:cTn>
-                        </p:par>
-                      </p:childTnLst>
-                    </p:cTn>
-                  </p:par>
-                  <p:par>
-                    <p:cTn id="19" fill="hold">
-                      <p:stCondLst>
-                        <p:cond delay="indefinite"/>
-                      </p:stCondLst>
-                      <p:childTnLst>
-                        <p:par>
-                          <p:cTn id="20" fill="hold">
-                            <p:stCondLst>
-                              <p:cond delay="0"/>
-                            </p:stCondLst>
-                            <p:childTnLst>
-                              <p:par>
-                                <p:cTn id="21" presetID="1" presetClass="entr" presetSubtype="0" fill="hold" nodeType="clickEffect">
-                                  <p:stCondLst>
-                                    <p:cond delay="0"/>
-                                  </p:stCondLst>
-                                  <p:childTnLst>
-                                    <p:set>
-                                      <p:cBhvr>
-                                        <p:cTn id="22" dur="1" fill="hold">
-                                          <p:stCondLst>
-                                            <p:cond delay="0"/>
-                                          </p:stCondLst>
-                                        </p:cTn>
-                                        <p:tgtEl>
-                                          <p:spTgt spid="9"/>
-                                        </p:tgtEl>
-                                        <p:attrNameLst>
-                                          <p:attrName>style.visibility</p:attrName>
-                                        </p:attrNameLst>
-                                      </p:cBhvr>
-                                      <p:to>
-                                        <p:strVal val="visible"/>
-                                      </p:to>
-                                    </p:set>
-                                  </p:childTnLst>
-                                </p:cTn>
-                              </p:par>
-                            </p:childTnLst>
-                          </p:cTn>
-                        </p:par>
-                      </p:childTnLst>
-                    </p:cTn>
-                  </p:par>
-                  <p:par>
-                    <p:cTn id="23" fill="hold">
-                      <p:stCondLst>
-                        <p:cond delay="indefinite"/>
-                      </p:stCondLst>
-                      <p:childTnLst>
-                        <p:par>
-                          <p:cTn id="24" fill="hold">
-                            <p:stCondLst>
-                              <p:cond delay="0"/>
-                            </p:stCondLst>
-                            <p:childTnLst>
-                              <p:par>
-                                <p:cTn id="25" presetID="1" presetClass="entr" presetSubtype="0" fill="hold" grpId="0" nodeType="clickEffect">
-                                  <p:stCondLst>
-                                    <p:cond delay="0"/>
-                                  </p:stCondLst>
-                                  <p:childTnLst>
-                                    <p:set>
-                                      <p:cBhvr>
-                                        <p:cTn id="26" dur="1" fill="hold">
-                                          <p:stCondLst>
-                                            <p:cond delay="0"/>
-                                          </p:stCondLst>
-                                        </p:cTn>
-                                        <p:tgtEl>
-                                          <p:spTgt spid="18"/>
-                                        </p:tgtEl>
-                                        <p:attrNameLst>
-                                          <p:attrName>style.visibility</p:attrName>
-                                        </p:attrNameLst>
-                                      </p:cBhvr>
-                                      <p:to>
-                                        <p:strVal val="visible"/>
-                                      </p:to>
-                                    </p:set>
-                                  </p:childTnLst>
-                                </p:cTn>
-                              </p:par>
-                            </p:childTnLst>
-                          </p:cTn>
-                        </p:par>
-                      </p:childTnLst>
-                    </p:cTn>
-                  </p:par>
-                  <p:par>
-                    <p:cTn id="27" fill="hold">
-                      <p:stCondLst>
-                        <p:cond delay="indefinite"/>
-                      </p:stCondLst>
-                      <p:childTnLst>
-                        <p:par>
-                          <p:cTn id="28" fill="hold">
-                            <p:stCondLst>
-                              <p:cond delay="0"/>
-                            </p:stCondLst>
-                            <p:childTnLst>
-                              <p:par>
-                                <p:cTn id="29" presetID="1" presetClass="entr" presetSubtype="0" fill="hold" nodeType="clickEffect">
-                                  <p:stCondLst>
-                                    <p:cond delay="0"/>
-                                  </p:stCondLst>
-                                  <p:childTnLst>
-                                    <p:set>
-                                      <p:cBhvr>
-                                        <p:cTn id="30" dur="1" fill="hold">
-                                          <p:stCondLst>
-                                            <p:cond delay="0"/>
-                                          </p:stCondLst>
-                                        </p:cTn>
-                                        <p:tgtEl>
-                                          <p:spTgt spid="3">
-                                            <p:txEl>
-                                              <p:pRg st="2" end="2"/>
-                                            </p:txEl>
-                                          </p:spTgt>
-                                        </p:tgtEl>
-                                        <p:attrNameLst>
-                                          <p:attrName>style.visibility</p:attrName>
-                                        </p:attrNameLst>
-                                      </p:cBhvr>
-                                      <p:to>
-                                        <p:strVal val="visible"/>
-                                      </p:to>
-                                    </p:set>
-                                  </p:childTnLst>
-                                </p:cTn>
-                              </p:par>
-                            </p:childTnLst>
-                          </p:cTn>
-                        </p:par>
-                      </p:childTnLst>
-                    </p:cTn>
-                  </p:par>
-                  <p:par>
-                    <p:cTn id="31" fill="hold">
-                      <p:stCondLst>
-                        <p:cond delay="indefinite"/>
-                      </p:stCondLst>
-                      <p:childTnLst>
-                        <p:par>
-                          <p:cTn id="32" fill="hold">
-                            <p:stCondLst>
-                              <p:cond delay="0"/>
-                            </p:stCondLst>
-                            <p:childTnLst>
-                              <p:par>
-                                <p:cTn id="33" presetID="1" presetClass="entr" presetSubtype="0" fill="hold" nodeType="clickEffect">
-                                  <p:stCondLst>
-                                    <p:cond delay="0"/>
-                                  </p:stCondLst>
-                                  <p:childTnLst>
-                                    <p:set>
-                                      <p:cBhvr>
-                                        <p:cTn id="34" dur="1" fill="hold">
-                                          <p:stCondLst>
-                                            <p:cond delay="0"/>
-                                          </p:stCondLst>
-                                        </p:cTn>
-                                        <p:tgtEl>
-                                          <p:spTgt spid="11"/>
-                                        </p:tgtEl>
-                                        <p:attrNameLst>
-                                          <p:attrName>style.visibility</p:attrName>
-                                        </p:attrNameLst>
-                                      </p:cBhvr>
-                                      <p:to>
-                                        <p:strVal val="visible"/>
-                                      </p:to>
-                                    </p:set>
-                                  </p:childTnLst>
-                                </p:cTn>
-                              </p:par>
-                            </p:childTnLst>
-                          </p:cTn>
-                        </p:par>
-                      </p:childTnLst>
-                    </p:cTn>
-                  </p:par>
-                  <p:par>
-                    <p:cTn id="35" fill="hold">
-                      <p:stCondLst>
-                        <p:cond delay="indefinite"/>
-                      </p:stCondLst>
-                      <p:childTnLst>
-                        <p:par>
-                          <p:cTn id="36" fill="hold">
-                            <p:stCondLst>
-                              <p:cond delay="0"/>
-                            </p:stCondLst>
-                            <p:childTnLst>
-                              <p:par>
-                                <p:cTn id="37" presetID="1" presetClass="entr" presetSubtype="0" fill="hold" grpId="0" nodeType="clickEffect">
-                                  <p:stCondLst>
-                                    <p:cond delay="0"/>
-                                  </p:stCondLst>
-                                  <p:childTnLst>
-                                    <p:set>
-                                      <p:cBhvr>
-                                        <p:cTn id="38" dur="1" fill="hold">
-                                          <p:stCondLst>
-                                            <p:cond delay="0"/>
-                                          </p:stCondLst>
-                                        </p:cTn>
-                                        <p:tgtEl>
-                                          <p:spTgt spid="20"/>
-                                        </p:tgtEl>
-                                        <p:attrNameLst>
-                                          <p:attrName>style.visibility</p:attrName>
-                                        </p:attrNameLst>
-                                      </p:cBhvr>
-                                      <p:to>
-                                        <p:strVal val="visible"/>
-                                      </p:to>
-                                    </p:set>
-                                  </p:childTnLst>
-                                </p:cTn>
-                              </p:par>
-                            </p:childTnLst>
-                          </p:cTn>
-                        </p:par>
-                      </p:childTnLst>
-                    </p:cTn>
-                  </p:par>
-                  <p:par>
-                    <p:cTn id="39" fill="hold">
-                      <p:stCondLst>
-                        <p:cond delay="indefinite"/>
-                      </p:stCondLst>
-                      <p:childTnLst>
-                        <p:par>
-                          <p:cTn id="40" fill="hold">
-                            <p:stCondLst>
-                              <p:cond delay="0"/>
-                            </p:stCondLst>
-                            <p:childTnLst>
-                              <p:par>
-                                <p:cTn id="41" presetID="1" presetClass="entr" presetSubtype="0" fill="hold" nodeType="clickEffect">
-                                  <p:stCondLst>
-                                    <p:cond delay="0"/>
-                                  </p:stCondLst>
-                                  <p:childTnLst>
-                                    <p:set>
-                                      <p:cBhvr>
-                                        <p:cTn id="42" dur="1" fill="hold">
-                                          <p:stCondLst>
-                                            <p:cond delay="0"/>
-                                          </p:stCondLst>
-                                        </p:cTn>
-                                        <p:tgtEl>
-                                          <p:spTgt spid="3">
-                                            <p:txEl>
-                                              <p:pRg st="3" end="3"/>
-                                            </p:txEl>
-                                          </p:spTgt>
-                                        </p:tgtEl>
-                                        <p:attrNameLst>
-                                          <p:attrName>style.visibility</p:attrName>
-                                        </p:attrNameLst>
-                                      </p:cBhvr>
-                                      <p:to>
-                                        <p:strVal val="visible"/>
-                                      </p:to>
-                                    </p:set>
-                                  </p:childTnLst>
-                                </p:cTn>
-                              </p:par>
-                            </p:childTnLst>
-                          </p:cTn>
-                        </p:par>
-                      </p:childTnLst>
-                    </p:cTn>
-                  </p:par>
-                  <p:par>
-                    <p:cTn id="43" fill="hold">
-                      <p:stCondLst>
-                        <p:cond delay="indefinite"/>
-                      </p:stCondLst>
-                      <p:childTnLst>
-                        <p:par>
-                          <p:cTn id="44" fill="hold">
-                            <p:stCondLst>
-                              <p:cond delay="0"/>
-                            </p:stCondLst>
-                            <p:childTnLst>
-                              <p:par>
-                                <p:cTn id="45" presetID="1" presetClass="entr" presetSubtype="0" fill="hold" nodeType="clickEffect">
-                                  <p:stCondLst>
-                                    <p:cond delay="0"/>
-                                  </p:stCondLst>
-                                  <p:childTnLst>
-                                    <p:set>
-                                      <p:cBhvr>
-                                        <p:cTn id="46" dur="1" fill="hold">
-                                          <p:stCondLst>
-                                            <p:cond delay="0"/>
-                                          </p:stCondLst>
-                                        </p:cTn>
-                                        <p:tgtEl>
-                                          <p:spTgt spid="7"/>
-                                        </p:tgtEl>
-                                        <p:attrNameLst>
-                                          <p:attrName>style.visibility</p:attrName>
-                                        </p:attrNameLst>
-                                      </p:cBhvr>
-                                      <p:to>
-                                        <p:strVal val="visible"/>
-                                      </p:to>
-                                    </p:set>
-                                  </p:childTnLst>
-                                </p:cTn>
-                              </p:par>
-                            </p:childTnLst>
-                          </p:cTn>
-                        </p:par>
-                      </p:childTnLst>
-                    </p:cTn>
-                  </p:par>
-                  <p:par>
-                    <p:cTn id="47" fill="hold">
-                      <p:stCondLst>
-                        <p:cond delay="indefinite"/>
-                      </p:stCondLst>
-                      <p:childTnLst>
-                        <p:par>
-                          <p:cTn id="48" fill="hold">
-                            <p:stCondLst>
-                              <p:cond delay="0"/>
-                            </p:stCondLst>
-                            <p:childTnLst>
-                              <p:par>
-                                <p:cTn id="49" presetID="1" presetClass="entr" presetSubtype="0" fill="hold" grpId="0" nodeType="clickEffect">
-                                  <p:stCondLst>
-                                    <p:cond delay="0"/>
-                                  </p:stCondLst>
-                                  <p:childTnLst>
-                                    <p:set>
-                                      <p:cBhvr>
-                                        <p:cTn id="50" dur="1" fill="hold">
-                                          <p:stCondLst>
-                                            <p:cond delay="0"/>
-                                          </p:stCondLst>
-                                        </p:cTn>
-                                        <p:tgtEl>
-                                          <p:spTgt spid="22"/>
-                                        </p:tgtEl>
-                                        <p:attrNameLst>
-                                          <p:attrName>style.visibility</p:attrName>
-                                        </p:attrNameLst>
-                                      </p:cBhvr>
-                                      <p:to>
-                                        <p:strVal val="visible"/>
-                                      </p:to>
-                                    </p:set>
-                                  </p:childTnLst>
-                                </p:cTn>
-                              </p:par>
-                            </p:childTnLst>
-                          </p:cTn>
-                        </p:par>
-                      </p:childTnLst>
-                    </p:cTn>
-                  </p:par>
-                  <p:par>
-                    <p:cTn id="51" fill="hold">
-                      <p:stCondLst>
-                        <p:cond delay="indefinite"/>
-                      </p:stCondLst>
-                      <p:childTnLst>
-                        <p:par>
-                          <p:cTn id="52" fill="hold">
-                            <p:stCondLst>
-                              <p:cond delay="0"/>
-                            </p:stCondLst>
-                            <p:childTnLst>
-                              <p:par>
-                                <p:cTn id="53" presetID="1" presetClass="entr" presetSubtype="0" fill="hold" nodeType="clickEffect">
-                                  <p:stCondLst>
-                                    <p:cond delay="0"/>
-                                  </p:stCondLst>
-                                  <p:childTnLst>
-                                    <p:set>
-                                      <p:cBhvr>
-                                        <p:cTn id="54" dur="1" fill="hold">
-                                          <p:stCondLst>
-                                            <p:cond delay="0"/>
-                                          </p:stCondLst>
-                                        </p:cTn>
-                                        <p:tgtEl>
-                                          <p:spTgt spid="3">
-                                            <p:txEl>
-                                              <p:pRg st="4" end="4"/>
-                                            </p:txEl>
-                                          </p:spTgt>
-                                        </p:tgtEl>
-                                        <p:attrNameLst>
-                                          <p:attrName>style.visibility</p:attrName>
-                                        </p:attrNameLst>
-                                      </p:cBhvr>
-                                      <p:to>
-                                        <p:strVal val="visible"/>
-                                      </p:to>
-                                    </p:set>
-                                  </p:childTnLst>
-                                </p:cTn>
-                              </p:par>
-                            </p:childTnLst>
-                          </p:cTn>
-                        </p:par>
-                      </p:childTnLst>
-                    </p:cTn>
-                  </p:par>
-                  <p:par>
-                    <p:cTn id="55" fill="hold">
-                      <p:stCondLst>
-                        <p:cond delay="indefinite"/>
-                      </p:stCondLst>
-                      <p:childTnLst>
-                        <p:par>
-                          <p:cTn id="56" fill="hold">
-                            <p:stCondLst>
-                              <p:cond delay="0"/>
-                            </p:stCondLst>
-                            <p:childTnLst>
-                              <p:par>
-                                <p:cTn id="57" presetID="1" presetClass="entr" presetSubtype="0" fill="hold" nodeType="clickEffect">
-                                  <p:stCondLst>
-                                    <p:cond delay="0"/>
-                                  </p:stCondLst>
-                                  <p:childTnLst>
-                                    <p:set>
-                                      <p:cBhvr>
-                                        <p:cTn id="58" dur="1" fill="hold">
-                                          <p:stCondLst>
-                                            <p:cond delay="0"/>
-                                          </p:stCondLst>
-                                        </p:cTn>
-                                        <p:tgtEl>
-                                          <p:spTgt spid="5"/>
-                                        </p:tgtEl>
-                                        <p:attrNameLst>
-                                          <p:attrName>style.visibility</p:attrName>
-                                        </p:attrNameLst>
-                                      </p:cBhvr>
-                                      <p:to>
-                                        <p:strVal val="visible"/>
-                                      </p:to>
-                                    </p:set>
-                                  </p:childTnLst>
-                                </p:cTn>
-                              </p:par>
-                            </p:childTnLst>
-                          </p:cTn>
-                        </p:par>
-                      </p:childTnLst>
-                    </p:cTn>
-                  </p:par>
-                  <p:par>
-                    <p:cTn id="59" fill="hold">
-                      <p:stCondLst>
-                        <p:cond delay="indefinite"/>
-                      </p:stCondLst>
-                      <p:childTnLst>
-                        <p:par>
-                          <p:cTn id="60" fill="hold">
-                            <p:stCondLst>
-                              <p:cond delay="0"/>
-                            </p:stCondLst>
-                            <p:childTnLst>
-                              <p:par>
-                                <p:cTn id="61" presetID="1" presetClass="entr" presetSubtype="0" fill="hold" grpId="0" nodeType="clickEffect">
-                                  <p:stCondLst>
-                                    <p:cond delay="0"/>
-                                  </p:stCondLst>
-                                  <p:childTnLst>
-                                    <p:set>
-                                      <p:cBhvr>
-                                        <p:cTn id="62" dur="1" fill="hold">
-                                          <p:stCondLst>
-                                            <p:cond delay="0"/>
-                                          </p:stCondLst>
-                                        </p:cTn>
-                                        <p:tgtEl>
-                                          <p:spTgt spid="24"/>
-                                        </p:tgtEl>
-                                        <p:attrNameLst>
-                                          <p:attrName>style.visibility</p:attrName>
-                                        </p:attrNameLst>
-                                      </p:cBhvr>
-                                      <p:to>
-                                        <p:strVal val="visible"/>
-                                      </p:to>
-                                    </p:set>
-                                  </p:childTnLst>
-                                </p:cTn>
-                              </p:par>
-                            </p:childTnLst>
-                          </p:cTn>
-                        </p:par>
-                      </p:childTnLst>
-                    </p:cTn>
-                  </p:par>
-                </p:childTnLst>
-              </p:cTn>
-              <p:prevCondLst>
-                <p:cond evt="onPrev" delay="0">
-                  <p:tgtEl>
-                    <p:sldTgt/>
-                  </p:tgtEl>
-                </p:cond>
-              </p:prevCondLst>
-              <p:nextCondLst>
-                <p:cond evt="onNext" delay="0">
-                  <p:tgtEl>
-                    <p:sldTgt/>
-                  </p:tgtEl>
-                </p:cond>
-              </p:nextCondLst>
-            </p:seq>
-          </p:childTnLst>
-        </p:cTn>
-      </p:par>
-    </p:tnLst>
-    <p:bldLst>
-      <p:bldP spid="16" grpId="0"/>
-      <p:bldP spid="18" grpId="0"/>
-      <p:bldP spid="20" grpId="0"/>
-      <p:bldP spid="22" grpId="0"/>
-      <p:bldP spid="24" grpId="0"/>
-    </p:bldLst>
-  </p:timing>
+  <mc:AlternateContent xmlns:mc="http://schemas.openxmlformats.org/markup-compatibility/2006">
+    <mc:Choice xmlns:p14="http://schemas.microsoft.com/office/powerpoint/2010/main" Requires="p14">
+      <p:transition spd="slow" p14:dur="2000" advTm="29765"/>
+    </mc:Choice>
+    <mc:Fallback>
+      <p:transition spd="slow" advTm="29765"/>
+    </mc:Fallback>
+  </mc:AlternateContent>
 </p:sld>
 </file>
 
@@ -7769,6 +6992,14 @@
   <p:clrMapOvr>
     <a:masterClrMapping/>
   </p:clrMapOvr>
+  <mc:AlternateContent xmlns:mc="http://schemas.openxmlformats.org/markup-compatibility/2006">
+    <mc:Choice xmlns:p14="http://schemas.microsoft.com/office/powerpoint/2010/main" Requires="p14">
+      <p:transition spd="slow" p14:dur="2000" advTm="26930"/>
+    </mc:Choice>
+    <mc:Fallback>
+      <p:transition spd="slow" advTm="26930"/>
+    </mc:Fallback>
+  </mc:AlternateContent>
 </p:sld>
 </file>
 
@@ -7827,6 +7058,14 @@
   <p:clrMapOvr>
     <a:masterClrMapping/>
   </p:clrMapOvr>
+  <mc:AlternateContent xmlns:mc="http://schemas.openxmlformats.org/markup-compatibility/2006">
+    <mc:Choice xmlns:p14="http://schemas.microsoft.com/office/powerpoint/2010/main" Requires="p14">
+      <p:transition spd="slow" p14:dur="2000" advTm="2656"/>
+    </mc:Choice>
+    <mc:Fallback>
+      <p:transition spd="slow" advTm="2656"/>
+    </mc:Fallback>
+  </mc:AlternateContent>
 </p:sld>
 </file>
 
@@ -7944,6 +7183,14 @@
   <p:clrMapOvr>
     <a:masterClrMapping/>
   </p:clrMapOvr>
+  <mc:AlternateContent xmlns:mc="http://schemas.openxmlformats.org/markup-compatibility/2006">
+    <mc:Choice xmlns:p14="http://schemas.microsoft.com/office/powerpoint/2010/main" Requires="p14">
+      <p:transition spd="slow" p14:dur="2000" advTm="25577"/>
+    </mc:Choice>
+    <mc:Fallback>
+      <p:transition spd="slow" advTm="25577"/>
+    </mc:Fallback>
+  </mc:AlternateContent>
 </p:sld>
 </file>
 
@@ -8068,6 +7315,14 @@
   <p:clrMapOvr>
     <a:masterClrMapping/>
   </p:clrMapOvr>
+  <mc:AlternateContent xmlns:mc="http://schemas.openxmlformats.org/markup-compatibility/2006">
+    <mc:Choice xmlns:p14="http://schemas.microsoft.com/office/powerpoint/2010/main" Requires="p14">
+      <p:transition spd="slow" p14:dur="2000" advTm="17699"/>
+    </mc:Choice>
+    <mc:Fallback>
+      <p:transition spd="slow" advTm="17699"/>
+    </mc:Fallback>
+  </mc:AlternateContent>
 </p:sld>
 </file>
 
@@ -8189,6 +7444,14 @@
   <p:clrMapOvr>
     <a:masterClrMapping/>
   </p:clrMapOvr>
+  <mc:AlternateContent xmlns:mc="http://schemas.openxmlformats.org/markup-compatibility/2006">
+    <mc:Choice xmlns:p14="http://schemas.microsoft.com/office/powerpoint/2010/main" Requires="p14">
+      <p:transition spd="slow" p14:dur="2000" advTm="8358"/>
+    </mc:Choice>
+    <mc:Fallback>
+      <p:transition spd="slow" advTm="8358"/>
+    </mc:Fallback>
+  </mc:AlternateContent>
 </p:sld>
 </file>
 
@@ -8253,6 +7516,14 @@
   <p:clrMapOvr>
     <a:masterClrMapping/>
   </p:clrMapOvr>
+  <mc:AlternateContent xmlns:mc="http://schemas.openxmlformats.org/markup-compatibility/2006">
+    <mc:Choice xmlns:p14="http://schemas.microsoft.com/office/powerpoint/2010/main" Requires="p14">
+      <p:transition spd="slow" p14:dur="2000" advTm="3254"/>
+    </mc:Choice>
+    <mc:Fallback>
+      <p:transition spd="slow" advTm="3254"/>
+    </mc:Fallback>
+  </mc:AlternateContent>
 </p:sld>
 </file>
 
@@ -8384,7 +7655,7 @@
           <p:nvPr/>
         </p:nvPicPr>
         <p:blipFill>
-          <a:blip r:embed="rId2"/>
+          <a:blip r:embed="rId3"/>
           <a:stretch>
             <a:fillRect/>
           </a:stretch>
@@ -8414,7 +7685,7 @@
           <p:nvPr/>
         </p:nvPicPr>
         <p:blipFill>
-          <a:blip r:embed="rId3"/>
+          <a:blip r:embed="rId4"/>
           <a:stretch>
             <a:fillRect/>
           </a:stretch>
@@ -8430,6 +7701,9 @@
         </p:spPr>
       </p:pic>
     </p:spTree>
+    <p:custDataLst>
+      <p:tags r:id="rId1"/>
+    </p:custDataLst>
     <p:extLst>
       <p:ext uri="{BB962C8B-B14F-4D97-AF65-F5344CB8AC3E}">
         <p14:creationId xmlns:p14="http://schemas.microsoft.com/office/powerpoint/2010/main" val="2704904450"/>
@@ -8439,174 +7713,14 @@
   <p:clrMapOvr>
     <a:masterClrMapping/>
   </p:clrMapOvr>
-  <p:timing>
-    <p:tnLst>
-      <p:par>
-        <p:cTn id="1" dur="indefinite" restart="never" nodeType="tmRoot">
-          <p:childTnLst>
-            <p:seq concurrent="1" nextAc="seek">
-              <p:cTn id="2" dur="indefinite" nodeType="mainSeq">
-                <p:childTnLst>
-                  <p:par>
-                    <p:cTn id="3" fill="hold">
-                      <p:stCondLst>
-                        <p:cond delay="indefinite"/>
-                      </p:stCondLst>
-                      <p:childTnLst>
-                        <p:par>
-                          <p:cTn id="4" fill="hold">
-                            <p:stCondLst>
-                              <p:cond delay="0"/>
-                            </p:stCondLst>
-                            <p:childTnLst>
-                              <p:par>
-                                <p:cTn id="5" presetID="1" presetClass="entr" presetSubtype="0" fill="hold" grpId="0" nodeType="clickEffect">
-                                  <p:stCondLst>
-                                    <p:cond delay="0"/>
-                                  </p:stCondLst>
-                                  <p:childTnLst>
-                                    <p:set>
-                                      <p:cBhvr>
-                                        <p:cTn id="6" dur="1" fill="hold">
-                                          <p:stCondLst>
-                                            <p:cond delay="0"/>
-                                          </p:stCondLst>
-                                        </p:cTn>
-                                        <p:tgtEl>
-                                          <p:spTgt spid="9"/>
-                                        </p:tgtEl>
-                                        <p:attrNameLst>
-                                          <p:attrName>style.visibility</p:attrName>
-                                        </p:attrNameLst>
-                                      </p:cBhvr>
-                                      <p:to>
-                                        <p:strVal val="visible"/>
-                                      </p:to>
-                                    </p:set>
-                                  </p:childTnLst>
-                                </p:cTn>
-                              </p:par>
-                            </p:childTnLst>
-                          </p:cTn>
-                        </p:par>
-                      </p:childTnLst>
-                    </p:cTn>
-                  </p:par>
-                  <p:par>
-                    <p:cTn id="7" fill="hold">
-                      <p:stCondLst>
-                        <p:cond delay="indefinite"/>
-                      </p:stCondLst>
-                      <p:childTnLst>
-                        <p:par>
-                          <p:cTn id="8" fill="hold">
-                            <p:stCondLst>
-                              <p:cond delay="0"/>
-                            </p:stCondLst>
-                            <p:childTnLst>
-                              <p:par>
-                                <p:cTn id="9" presetID="1" presetClass="entr" presetSubtype="0" fill="hold" nodeType="clickEffect">
-                                  <p:stCondLst>
-                                    <p:cond delay="0"/>
-                                  </p:stCondLst>
-                                  <p:childTnLst>
-                                    <p:set>
-                                      <p:cBhvr>
-                                        <p:cTn id="10" dur="1" fill="hold">
-                                          <p:stCondLst>
-                                            <p:cond delay="0"/>
-                                          </p:stCondLst>
-                                        </p:cTn>
-                                        <p:tgtEl>
-                                          <p:spTgt spid="23"/>
-                                        </p:tgtEl>
-                                        <p:attrNameLst>
-                                          <p:attrName>style.visibility</p:attrName>
-                                        </p:attrNameLst>
-                                      </p:cBhvr>
-                                      <p:to>
-                                        <p:strVal val="visible"/>
-                                      </p:to>
-                                    </p:set>
-                                  </p:childTnLst>
-                                </p:cTn>
-                              </p:par>
-                            </p:childTnLst>
-                          </p:cTn>
-                        </p:par>
-                      </p:childTnLst>
-                    </p:cTn>
-                  </p:par>
-                  <p:par>
-                    <p:cTn id="11" fill="hold">
-                      <p:stCondLst>
-                        <p:cond delay="indefinite"/>
-                      </p:stCondLst>
-                      <p:childTnLst>
-                        <p:par>
-                          <p:cTn id="12" fill="hold">
-                            <p:stCondLst>
-                              <p:cond delay="0"/>
-                            </p:stCondLst>
-                            <p:childTnLst>
-                              <p:par>
-                                <p:cTn id="13" presetID="1" presetClass="entr" presetSubtype="0" fill="hold" nodeType="clickEffect">
-                                  <p:stCondLst>
-                                    <p:cond delay="0"/>
-                                  </p:stCondLst>
-                                  <p:childTnLst>
-                                    <p:set>
-                                      <p:cBhvr>
-                                        <p:cTn id="14" dur="1" fill="hold">
-                                          <p:stCondLst>
-                                            <p:cond delay="0"/>
-                                          </p:stCondLst>
-                                        </p:cTn>
-                                        <p:tgtEl>
-                                          <p:spTgt spid="19"/>
-                                        </p:tgtEl>
-                                        <p:attrNameLst>
-                                          <p:attrName>style.visibility</p:attrName>
-                                        </p:attrNameLst>
-                                      </p:cBhvr>
-                                      <p:to>
-                                        <p:strVal val="visible"/>
-                                      </p:to>
-                                    </p:set>
-                                  </p:childTnLst>
-                                </p:cTn>
-                              </p:par>
-                            </p:childTnLst>
-                          </p:cTn>
-                        </p:par>
-                      </p:childTnLst>
-                    </p:cTn>
-                  </p:par>
-                </p:childTnLst>
-              </p:cTn>
-              <p:prevCondLst>
-                <p:cond evt="onPrev" delay="0">
-                  <p:tgtEl>
-                    <p:sldTgt/>
-                  </p:tgtEl>
-                </p:cond>
-              </p:prevCondLst>
-              <p:nextCondLst>
-                <p:cond evt="onNext" delay="0">
-                  <p:tgtEl>
-                    <p:sldTgt/>
-                  </p:tgtEl>
-                </p:cond>
-              </p:nextCondLst>
-            </p:seq>
-          </p:childTnLst>
-        </p:cTn>
-      </p:par>
-    </p:tnLst>
-    <p:bldLst>
-      <p:bldP spid="9" grpId="0" animBg="1"/>
-    </p:bldLst>
-  </p:timing>
+  <mc:AlternateContent xmlns:mc="http://schemas.openxmlformats.org/markup-compatibility/2006">
+    <mc:Choice xmlns:p14="http://schemas.microsoft.com/office/powerpoint/2010/main" Requires="p14">
+      <p:transition spd="slow" p14:dur="2000" advTm="39772"/>
+    </mc:Choice>
+    <mc:Fallback>
+      <p:transition spd="slow" advTm="39772"/>
+    </mc:Fallback>
+  </mc:AlternateContent>
 </p:sld>
 </file>
 
@@ -8659,7 +7773,7 @@
           </p:nvPr>
         </p:nvPicPr>
         <p:blipFill>
-          <a:blip r:embed="rId2">
+          <a:blip r:embed="rId3">
             <a:extLst>
               <a:ext uri="{28A0092B-C50C-407E-A947-70E740481C1C}">
                 <a14:useLocalDpi xmlns:a14="http://schemas.microsoft.com/office/drawing/2010/main" val="0"/>
@@ -8704,7 +7818,7 @@
           </p:nvPr>
         </p:nvPicPr>
         <p:blipFill>
-          <a:blip r:embed="rId3">
+          <a:blip r:embed="rId4">
             <a:extLst>
               <a:ext uri="{28A0092B-C50C-407E-A947-70E740481C1C}">
                 <a14:useLocalDpi xmlns:a14="http://schemas.microsoft.com/office/drawing/2010/main" val="0"/>
@@ -8872,7 +7986,7 @@
           </p:nvPr>
         </p:nvPicPr>
         <p:blipFill>
-          <a:blip r:embed="rId3">
+          <a:blip r:embed="rId4">
             <a:extLst>
               <a:ext uri="{28A0092B-C50C-407E-A947-70E740481C1C}">
                 <a14:useLocalDpi xmlns:a14="http://schemas.microsoft.com/office/drawing/2010/main" val="0"/>
@@ -9038,7 +8152,7 @@
           <p:nvPr/>
         </p:nvPicPr>
         <p:blipFill>
-          <a:blip r:embed="rId4"/>
+          <a:blip r:embed="rId5"/>
           <a:stretch>
             <a:fillRect/>
           </a:stretch>
@@ -9054,6 +8168,9 @@
         </p:spPr>
       </p:pic>
     </p:spTree>
+    <p:custDataLst>
+      <p:tags r:id="rId1"/>
+    </p:custDataLst>
     <p:extLst>
       <p:ext uri="{BB962C8B-B14F-4D97-AF65-F5344CB8AC3E}">
         <p14:creationId xmlns:p14="http://schemas.microsoft.com/office/powerpoint/2010/main" val="3585051025"/>
@@ -9063,81 +8180,14 @@
   <p:clrMapOvr>
     <a:overrideClrMapping bg1="lt1" tx1="dk1" bg2="lt2" tx2="dk2" accent1="accent1" accent2="accent2" accent3="accent3" accent4="accent4" accent5="accent5" accent6="accent6" hlink="hlink" folHlink="folHlink"/>
   </p:clrMapOvr>
-  <p:timing>
-    <p:tnLst>
-      <p:par>
-        <p:cTn id="1" dur="indefinite" restart="never" nodeType="tmRoot">
-          <p:childTnLst>
-            <p:seq concurrent="1" nextAc="seek">
-              <p:cTn id="2" dur="indefinite" nodeType="mainSeq">
-                <p:childTnLst>
-                  <p:par>
-                    <p:cTn id="3" fill="hold">
-                      <p:stCondLst>
-                        <p:cond delay="indefinite"/>
-                      </p:stCondLst>
-                      <p:childTnLst>
-                        <p:par>
-                          <p:cTn id="4" fill="hold">
-                            <p:stCondLst>
-                              <p:cond delay="0"/>
-                            </p:stCondLst>
-                            <p:childTnLst>
-                              <p:par>
-                                <p:cTn id="5" presetID="1" presetClass="entr" presetSubtype="0" fill="hold" nodeType="clickEffect">
-                                  <p:stCondLst>
-                                    <p:cond delay="0"/>
-                                  </p:stCondLst>
-                                  <p:childTnLst>
-                                    <p:set>
-                                      <p:cBhvr>
-                                        <p:cTn id="6" dur="1" fill="hold">
-                                          <p:stCondLst>
-                                            <p:cond delay="0"/>
-                                          </p:stCondLst>
-                                        </p:cTn>
-                                        <p:tgtEl>
-                                          <p:spTgt spid="7"/>
-                                        </p:tgtEl>
-                                        <p:attrNameLst>
-                                          <p:attrName>style.visibility</p:attrName>
-                                        </p:attrNameLst>
-                                      </p:cBhvr>
-                                      <p:to>
-                                        <p:strVal val="visible"/>
-                                      </p:to>
-                                    </p:set>
-                                  </p:childTnLst>
-                                </p:cTn>
-                              </p:par>
-                            </p:childTnLst>
-                          </p:cTn>
-                        </p:par>
-                      </p:childTnLst>
-                    </p:cTn>
-                  </p:par>
-                </p:childTnLst>
-              </p:cTn>
-              <p:prevCondLst>
-                <p:cond evt="onPrev" delay="0">
-                  <p:tgtEl>
-                    <p:sldTgt/>
-                  </p:tgtEl>
-                </p:cond>
-              </p:prevCondLst>
-              <p:nextCondLst>
-                <p:cond evt="onNext" delay="0">
-                  <p:tgtEl>
-                    <p:sldTgt/>
-                  </p:tgtEl>
-                </p:cond>
-              </p:nextCondLst>
-            </p:seq>
-          </p:childTnLst>
-        </p:cTn>
-      </p:par>
-    </p:tnLst>
-  </p:timing>
+  <mc:AlternateContent xmlns:mc="http://schemas.openxmlformats.org/markup-compatibility/2006">
+    <mc:Choice xmlns:p14="http://schemas.microsoft.com/office/powerpoint/2010/main" Requires="p14">
+      <p:transition spd="slow" p14:dur="2000" advTm="26378"/>
+    </mc:Choice>
+    <mc:Fallback>
+      <p:transition spd="slow" advTm="26378"/>
+    </mc:Fallback>
+  </mc:AlternateContent>
 </p:sld>
 </file>
 
@@ -9166,56 +8216,21 @@
           <a:chExt cx="0" cy="0"/>
         </a:xfrm>
       </p:grpSpPr>
-      <p:sp>
-        <p:nvSpPr>
-          <p:cNvPr id="2" name="Title 1">
+      <p:pic>
+        <p:nvPicPr>
+          <p:cNvPr id="13" name="Picture 12">
             <a:extLst>
               <a:ext uri="{FF2B5EF4-FFF2-40B4-BE49-F238E27FC236}">
-                <a16:creationId xmlns:a16="http://schemas.microsoft.com/office/drawing/2014/main" id="{FEFBAD81-9B9A-4800-A612-276A79B14723}"/>
-              </a:ext>
-            </a:extLst>
-          </p:cNvPr>
-          <p:cNvSpPr>
-            <a:spLocks noGrp="1"/>
-          </p:cNvSpPr>
-          <p:nvPr>
-            <p:ph type="title"/>
-          </p:nvPr>
-        </p:nvSpPr>
-        <p:spPr>
-          <a:xfrm>
-            <a:off x="4735593" y="640081"/>
-            <a:ext cx="6832600" cy="1293028"/>
-          </a:xfrm>
-        </p:spPr>
-        <p:txBody>
-          <a:bodyPr>
-            <a:normAutofit/>
-          </a:bodyPr>
-          <a:lstStyle/>
-          <a:p>
-            <a:r>
-              <a:rPr lang="en-US" dirty="0"/>
-              <a:t>Do boosts help to win the game?</a:t>
-            </a:r>
-          </a:p>
-        </p:txBody>
-      </p:sp>
-      <p:sp>
-        <p:nvSpPr>
-          <p:cNvPr id="22" name="Rectangle 21">
-            <a:extLst>
-              <a:ext uri="{FF2B5EF4-FFF2-40B4-BE49-F238E27FC236}">
-                <a16:creationId xmlns:a16="http://schemas.microsoft.com/office/drawing/2014/main" id="{39A1E4BA-7C9E-4CDE-8BA8-AD6D6C78AE50}"/>
+                <a16:creationId xmlns:a16="http://schemas.microsoft.com/office/drawing/2014/main" id="{CFD580F5-E7BF-4C1D-BEFD-4A4601EBA876}"/>
               </a:ext>
               <a:ext uri="{C183D7F6-B498-43B3-948B-1728B52AA6E4}">
                 <adec:decorative xmlns:adec="http://schemas.microsoft.com/office/drawing/2017/decorative" val="1"/>
               </a:ext>
             </a:extLst>
           </p:cNvPr>
-          <p:cNvSpPr>
-            <a:spLocks noGrp="1" noRot="1" noChangeAspect="1" noMove="1" noResize="1" noEditPoints="1" noAdjustHandles="1" noChangeArrowheads="1" noChangeShapeType="1" noTextEdit="1"/>
-          </p:cNvSpPr>
+          <p:cNvPicPr>
+            <a:picLocks noGrp="1" noRot="1" noChangeAspect="1" noMove="1" noResize="1" noEditPoints="1" noAdjustHandles="1" noChangeArrowheads="1" noChangeShapeType="1" noCrop="1"/>
+          </p:cNvPicPr>
           <p:nvPr>
             <p:extLst>
               <p:ext uri="{386F3935-93C4-4BCD-93E2-E3B085C9AB24}">
@@ -9223,17 +8238,171 @@
               </p:ext>
             </p:extLst>
           </p:nvPr>
-        </p:nvSpPr>
-        <p:spPr>
-          <a:xfrm>
-            <a:off x="-1" y="0"/>
-            <a:ext cx="4169662" cy="6858000"/>
+        </p:nvPicPr>
+        <p:blipFill>
+          <a:blip r:embed="rId2">
+            <a:extLst>
+              <a:ext uri="{28A0092B-C50C-407E-A947-70E740481C1C}">
+                <a14:useLocalDpi xmlns:a14="http://schemas.microsoft.com/office/drawing/2010/main" val="0"/>
+              </a:ext>
+            </a:extLst>
+          </a:blip>
+          <a:stretch>
+            <a:fillRect/>
+          </a:stretch>
+        </p:blipFill>
+        <p:spPr>
+          <a:xfrm>
+            <a:off x="0" y="0"/>
+            <a:ext cx="12192000" cy="1441450"/>
+          </a:xfrm>
+          <a:prstGeom prst="rect">
+            <a:avLst/>
+          </a:prstGeom>
+        </p:spPr>
+      </p:pic>
+      <p:pic>
+        <p:nvPicPr>
+          <p:cNvPr id="15" name="Picture 14">
+            <a:extLst>
+              <a:ext uri="{FF2B5EF4-FFF2-40B4-BE49-F238E27FC236}">
+                <a16:creationId xmlns:a16="http://schemas.microsoft.com/office/drawing/2014/main" id="{F0F06750-78FE-4472-8DA5-14CF3336F811}"/>
+              </a:ext>
+              <a:ext uri="{C183D7F6-B498-43B3-948B-1728B52AA6E4}">
+                <adec:decorative xmlns:adec="http://schemas.microsoft.com/office/drawing/2017/decorative" val="1"/>
+              </a:ext>
+            </a:extLst>
+          </p:cNvPr>
+          <p:cNvPicPr>
+            <a:picLocks noGrp="1" noRot="1" noChangeAspect="1" noMove="1" noResize="1" noEditPoints="1" noAdjustHandles="1" noChangeArrowheads="1" noChangeShapeType="1" noCrop="1"/>
+          </p:cNvPicPr>
+          <p:nvPr>
+            <p:extLst>
+              <p:ext uri="{386F3935-93C4-4BCD-93E2-E3B085C9AB24}">
+                <p16:designElem xmlns:p16="http://schemas.microsoft.com/office/powerpoint/2015/main" val="1"/>
+              </p:ext>
+            </p:extLst>
+          </p:nvPr>
+        </p:nvPicPr>
+        <p:blipFill>
+          <a:blip r:embed="rId3">
+            <a:extLst>
+              <a:ext uri="{28A0092B-C50C-407E-A947-70E740481C1C}">
+                <a14:useLocalDpi xmlns:a14="http://schemas.microsoft.com/office/drawing/2010/main" val="0"/>
+              </a:ext>
+            </a:extLst>
+          </a:blip>
+          <a:stretch>
+            <a:fillRect/>
+          </a:stretch>
+        </p:blipFill>
+        <p:spPr>
+          <a:xfrm>
+            <a:off x="0" y="4375150"/>
+            <a:ext cx="12192000" cy="2482850"/>
+          </a:xfrm>
+          <a:prstGeom prst="rect">
+            <a:avLst/>
+          </a:prstGeom>
+        </p:spPr>
+      </p:pic>
+      <p:sp>
+        <p:nvSpPr>
+          <p:cNvPr id="6" name="Title 1">
+            <a:extLst>
+              <a:ext uri="{FF2B5EF4-FFF2-40B4-BE49-F238E27FC236}">
+                <a16:creationId xmlns:a16="http://schemas.microsoft.com/office/drawing/2014/main" id="{88B1215D-E5E4-4D63-BEC7-A470E9C02E54}"/>
+              </a:ext>
+            </a:extLst>
+          </p:cNvPr>
+          <p:cNvSpPr txBox="1">
+            <a:spLocks/>
+          </p:cNvSpPr>
+          <p:nvPr/>
+        </p:nvSpPr>
+        <p:spPr>
+          <a:xfrm>
+            <a:off x="8266820" y="673240"/>
+            <a:ext cx="3300981" cy="3446373"/>
+          </a:xfrm>
+          <a:prstGeom prst="rect">
+            <a:avLst/>
+          </a:prstGeom>
+          <a:noFill/>
+          <a:ln w="19050">
+            <a:noFill/>
+            <a:prstDash val="dash"/>
+          </a:ln>
+        </p:spPr>
+        <p:txBody>
+          <a:bodyPr vert="horz" lIns="91440" tIns="45720" rIns="91440" bIns="45720" rtlCol="0" anchor="b">
+            <a:normAutofit/>
+          </a:bodyPr>
+          <a:lstStyle>
+            <a:lvl1pPr algn="r" defTabSz="914400" rtl="0" eaLnBrk="1" latinLnBrk="0" hangingPunct="1">
+              <a:lnSpc>
+                <a:spcPct val="90000"/>
+              </a:lnSpc>
+              <a:spcBef>
+                <a:spcPct val="0"/>
+              </a:spcBef>
+              <a:buNone/>
+              <a:defRPr sz="4000" kern="1200" cap="all" baseline="0">
+                <a:solidFill>
+                  <a:schemeClr val="tx1"/>
+                </a:solidFill>
+                <a:latin typeface="+mj-lt"/>
+                <a:ea typeface="+mj-ea"/>
+                <a:cs typeface="+mj-cs"/>
+              </a:defRPr>
+            </a:lvl1pPr>
+          </a:lstStyle>
+          <a:p>
+            <a:pPr algn="l">
+              <a:spcAft>
+                <a:spcPts val="600"/>
+              </a:spcAft>
+            </a:pPr>
+            <a:r>
+              <a:rPr lang="en-US" sz="4800"/>
+              <a:t>Do boosts help to win the game?</a:t>
+            </a:r>
+          </a:p>
+        </p:txBody>
+      </p:sp>
+      <p:sp>
+        <p:nvSpPr>
+          <p:cNvPr id="17" name="Rectangle 16">
+            <a:extLst>
+              <a:ext uri="{FF2B5EF4-FFF2-40B4-BE49-F238E27FC236}">
+                <a16:creationId xmlns:a16="http://schemas.microsoft.com/office/drawing/2014/main" id="{11432301-4726-4BC7-A053-C83570C6643B}"/>
+              </a:ext>
+              <a:ext uri="{C183D7F6-B498-43B3-948B-1728B52AA6E4}">
+                <adec:decorative xmlns:adec="http://schemas.microsoft.com/office/drawing/2017/decorative" val="1"/>
+              </a:ext>
+            </a:extLst>
+          </p:cNvPr>
+          <p:cNvSpPr>
+            <a:spLocks noGrp="1" noRot="1" noChangeAspect="1" noMove="1" noResize="1" noEditPoints="1" noAdjustHandles="1" noChangeArrowheads="1" noChangeShapeType="1" noTextEdit="1"/>
+          </p:cNvSpPr>
+          <p:nvPr>
+            <p:extLst>
+              <p:ext uri="{386F3935-93C4-4BCD-93E2-E3B085C9AB24}">
+                <p16:designElem xmlns:p16="http://schemas.microsoft.com/office/powerpoint/2015/main" val="1"/>
+              </p:ext>
+            </p:extLst>
+          </p:nvPr>
+        </p:nvSpPr>
+        <p:spPr>
+          <a:xfrm>
+            <a:off x="7946782" y="-1"/>
+            <a:ext cx="4245218" cy="536715"/>
           </a:xfrm>
           <a:prstGeom prst="rect">
             <a:avLst/>
           </a:prstGeom>
           <a:solidFill>
-            <a:srgbClr val="FFFFFF"/>
+            <a:schemeClr val="bg1"/>
           </a:solidFill>
           <a:ln>
             <a:noFill/>
@@ -9266,31 +8435,40 @@
       </p:sp>
       <p:sp>
         <p:nvSpPr>
-          <p:cNvPr id="8" name="Rectangle 7">
+          <p:cNvPr id="19" name="Rectangle 18">
             <a:extLst>
               <a:ext uri="{FF2B5EF4-FFF2-40B4-BE49-F238E27FC236}">
-                <a16:creationId xmlns:a16="http://schemas.microsoft.com/office/drawing/2014/main" id="{85602F37-81A0-46BF-9C53-3D5070CE377F}"/>
+                <a16:creationId xmlns:a16="http://schemas.microsoft.com/office/drawing/2014/main" id="{3FF533E5-9750-4E88-96EA-897A0D703FD4}"/>
+              </a:ext>
+              <a:ext uri="{C183D7F6-B498-43B3-948B-1728B52AA6E4}">
+                <adec:decorative xmlns:adec="http://schemas.microsoft.com/office/drawing/2017/decorative" val="1"/>
               </a:ext>
             </a:extLst>
           </p:cNvPr>
-          <p:cNvSpPr/>
-          <p:nvPr/>
-        </p:nvSpPr>
-        <p:spPr>
-          <a:xfrm>
-            <a:off x="0" y="0"/>
-            <a:ext cx="4928461" cy="6858000"/>
+          <p:cNvSpPr>
+            <a:spLocks noGrp="1" noRot="1" noChangeAspect="1" noMove="1" noResize="1" noEditPoints="1" noAdjustHandles="1" noChangeArrowheads="1" noChangeShapeType="1" noTextEdit="1"/>
+          </p:cNvSpPr>
+          <p:nvPr>
+            <p:extLst>
+              <p:ext uri="{386F3935-93C4-4BCD-93E2-E3B085C9AB24}">
+                <p16:designElem xmlns:p16="http://schemas.microsoft.com/office/powerpoint/2015/main" val="1"/>
+              </p:ext>
+            </p:extLst>
+          </p:nvPr>
+        </p:nvSpPr>
+        <p:spPr>
+          <a:xfrm>
+            <a:off x="-1" y="0"/>
+            <a:ext cx="7946781" cy="6858000"/>
           </a:xfrm>
           <a:prstGeom prst="rect">
             <a:avLst/>
           </a:prstGeom>
           <a:solidFill>
-            <a:schemeClr val="tx1"/>
+            <a:schemeClr val="bg1"/>
           </a:solidFill>
           <a:ln>
-            <a:solidFill>
-              <a:schemeClr val="tx1"/>
-            </a:solidFill>
+            <a:noFill/>
           </a:ln>
         </p:spPr>
         <p:style>
@@ -9314,42 +8492,54 @@
           <a:lstStyle/>
           <a:p>
             <a:pPr algn="ctr"/>
-            <a:endParaRPr lang="en-US">
-              <a:solidFill>
-                <a:schemeClr val="tx1"/>
-              </a:solidFill>
-            </a:endParaRPr>
-          </a:p>
-        </p:txBody>
-      </p:sp>
-      <p:sp>
-        <p:nvSpPr>
-          <p:cNvPr id="9" name="Rectangle 8">
+            <a:endParaRPr lang="en-US"/>
+          </a:p>
+        </p:txBody>
+      </p:sp>
+      <p:sp>
+        <p:nvSpPr>
+          <p:cNvPr id="21" name="Rounded Rectangle 11">
             <a:extLst>
               <a:ext uri="{FF2B5EF4-FFF2-40B4-BE49-F238E27FC236}">
-                <a16:creationId xmlns:a16="http://schemas.microsoft.com/office/drawing/2014/main" id="{7C01469C-2341-4E89-B803-B31D7C47DAAB}"/>
+                <a16:creationId xmlns:a16="http://schemas.microsoft.com/office/drawing/2014/main" id="{F41BBC71-7D18-4156-8DE4-06F1CB298F54}"/>
+              </a:ext>
+              <a:ext uri="{C183D7F6-B498-43B3-948B-1728B52AA6E4}">
+                <adec:decorative xmlns:adec="http://schemas.microsoft.com/office/drawing/2017/decorative" val="1"/>
               </a:ext>
             </a:extLst>
           </p:cNvPr>
-          <p:cNvSpPr/>
-          <p:nvPr/>
-        </p:nvSpPr>
-        <p:spPr>
-          <a:xfrm>
-            <a:off x="4928461" y="2619214"/>
-            <a:ext cx="7263539" cy="4238786"/>
-          </a:xfrm>
-          <a:prstGeom prst="rect">
-            <a:avLst/>
+          <p:cNvSpPr>
+            <a:spLocks noGrp="1" noRot="1" noChangeAspect="1" noMove="1" noResize="1" noEditPoints="1" noAdjustHandles="1" noChangeArrowheads="1" noChangeShapeType="1" noTextEdit="1"/>
+          </p:cNvSpPr>
+          <p:nvPr>
+            <p:extLst>
+              <p:ext uri="{386F3935-93C4-4BCD-93E2-E3B085C9AB24}">
+                <p16:designElem xmlns:p16="http://schemas.microsoft.com/office/powerpoint/2015/main" val="1"/>
+              </p:ext>
+            </p:extLst>
+          </p:nvPr>
+        </p:nvSpPr>
+        <p:spPr>
+          <a:xfrm>
+            <a:off x="643338" y="643464"/>
+            <a:ext cx="6638814" cy="5571072"/>
+          </a:xfrm>
+          <a:prstGeom prst="roundRect">
+            <a:avLst>
+              <a:gd name="adj" fmla="val 2403"/>
+            </a:avLst>
           </a:prstGeom>
           <a:solidFill>
-            <a:schemeClr val="tx1"/>
+            <a:srgbClr val="FFFFFF"/>
           </a:solidFill>
           <a:ln>
-            <a:solidFill>
-              <a:schemeClr val="tx1"/>
-            </a:solidFill>
+            <a:noFill/>
           </a:ln>
+          <a:effectLst>
+            <a:innerShdw blurRad="114300">
+              <a:prstClr val="black"/>
+            </a:innerShdw>
+          </a:effectLst>
         </p:spPr>
         <p:style>
           <a:lnRef idx="2">
@@ -9378,10 +8568,10 @@
       </p:sp>
       <p:pic>
         <p:nvPicPr>
-          <p:cNvPr id="12" name="Picture 11" descr="A screenshot of a cell phone&#10;&#10;Description automatically generated">
+          <p:cNvPr id="8" name="Picture 7" descr="A screenshot of a cell phone&#10;&#10;Description automatically generated">
             <a:extLst>
               <a:ext uri="{FF2B5EF4-FFF2-40B4-BE49-F238E27FC236}">
-                <a16:creationId xmlns:a16="http://schemas.microsoft.com/office/drawing/2014/main" id="{082FB238-A04B-4FE8-B186-C1571581D333}"/>
+                <a16:creationId xmlns:a16="http://schemas.microsoft.com/office/drawing/2014/main" id="{3FAF1CB7-9410-4C81-A4C1-9708746828AA}"/>
               </a:ext>
             </a:extLst>
           </p:cNvPr>
@@ -9390,46 +8580,15 @@
           </p:cNvPicPr>
           <p:nvPr/>
         </p:nvPicPr>
-        <p:blipFill>
-          <a:blip r:embed="rId2"/>
-          <a:stretch>
-            <a:fillRect/>
-          </a:stretch>
+        <p:blipFill rotWithShape="1">
+          <a:blip r:embed="rId4"/>
+          <a:srcRect t="20332" r="1" b="1"/>
+          <a:stretch/>
         </p:blipFill>
         <p:spPr>
           <a:xfrm>
-            <a:off x="60943" y="623622"/>
-            <a:ext cx="4867518" cy="5386027"/>
-          </a:xfrm>
-          <a:prstGeom prst="rect">
-            <a:avLst/>
-          </a:prstGeom>
-        </p:spPr>
-      </p:pic>
-      <p:pic>
-        <p:nvPicPr>
-          <p:cNvPr id="15" name="Picture 14" descr="A picture containing small, black, boat, colorful&#10;&#10;Description automatically generated">
-            <a:extLst>
-              <a:ext uri="{FF2B5EF4-FFF2-40B4-BE49-F238E27FC236}">
-                <a16:creationId xmlns:a16="http://schemas.microsoft.com/office/drawing/2014/main" id="{FEE6EEB5-2B8D-4DCA-94FF-3A3D206CD915}"/>
-              </a:ext>
-            </a:extLst>
-          </p:cNvPr>
-          <p:cNvPicPr>
-            <a:picLocks noChangeAspect="1"/>
-          </p:cNvPicPr>
-          <p:nvPr/>
-        </p:nvPicPr>
-        <p:blipFill>
-          <a:blip r:embed="rId3"/>
-          <a:stretch>
-            <a:fillRect/>
-          </a:stretch>
-        </p:blipFill>
-        <p:spPr>
-          <a:xfrm>
-            <a:off x="5252692" y="3000195"/>
-            <a:ext cx="6615075" cy="3571086"/>
+            <a:off x="1014030" y="1065793"/>
+            <a:ext cx="5890706" cy="4726414"/>
           </a:xfrm>
           <a:prstGeom prst="rect">
             <a:avLst/>
@@ -9439,182 +8598,21 @@
     </p:spTree>
     <p:extLst>
       <p:ext uri="{BB962C8B-B14F-4D97-AF65-F5344CB8AC3E}">
-        <p14:creationId xmlns:p14="http://schemas.microsoft.com/office/powerpoint/2010/main" val="3358496268"/>
+        <p14:creationId xmlns:p14="http://schemas.microsoft.com/office/powerpoint/2010/main" val="1967310346"/>
       </p:ext>
     </p:extLst>
   </p:cSld>
   <p:clrMapOvr>
     <a:masterClrMapping/>
   </p:clrMapOvr>
-  <p:timing>
-    <p:tnLst>
-      <p:par>
-        <p:cTn id="1" dur="indefinite" restart="never" nodeType="tmRoot">
-          <p:childTnLst>
-            <p:seq concurrent="1" nextAc="seek">
-              <p:cTn id="2" dur="indefinite" nodeType="mainSeq">
-                <p:childTnLst>
-                  <p:par>
-                    <p:cTn id="3" fill="hold">
-                      <p:stCondLst>
-                        <p:cond delay="indefinite"/>
-                      </p:stCondLst>
-                      <p:childTnLst>
-                        <p:par>
-                          <p:cTn id="4" fill="hold">
-                            <p:stCondLst>
-                              <p:cond delay="0"/>
-                            </p:stCondLst>
-                            <p:childTnLst>
-                              <p:par>
-                                <p:cTn id="5" presetID="1" presetClass="entr" presetSubtype="0" fill="hold" grpId="0" nodeType="clickEffect">
-                                  <p:stCondLst>
-                                    <p:cond delay="0"/>
-                                  </p:stCondLst>
-                                  <p:childTnLst>
-                                    <p:set>
-                                      <p:cBhvr>
-                                        <p:cTn id="6" dur="1" fill="hold">
-                                          <p:stCondLst>
-                                            <p:cond delay="0"/>
-                                          </p:stCondLst>
-                                        </p:cTn>
-                                        <p:tgtEl>
-                                          <p:spTgt spid="8"/>
-                                        </p:tgtEl>
-                                        <p:attrNameLst>
-                                          <p:attrName>style.visibility</p:attrName>
-                                        </p:attrNameLst>
-                                      </p:cBhvr>
-                                      <p:to>
-                                        <p:strVal val="visible"/>
-                                      </p:to>
-                                    </p:set>
-                                  </p:childTnLst>
-                                </p:cTn>
-                              </p:par>
-                            </p:childTnLst>
-                          </p:cTn>
-                        </p:par>
-                      </p:childTnLst>
-                    </p:cTn>
-                  </p:par>
-                  <p:par>
-                    <p:cTn id="7" fill="hold">
-                      <p:stCondLst>
-                        <p:cond delay="indefinite"/>
-                      </p:stCondLst>
-                      <p:childTnLst>
-                        <p:par>
-                          <p:cTn id="8" fill="hold">
-                            <p:stCondLst>
-                              <p:cond delay="0"/>
-                            </p:stCondLst>
-                            <p:childTnLst>
-                              <p:par>
-                                <p:cTn id="9" presetID="1" presetClass="entr" presetSubtype="0" fill="hold" nodeType="clickEffect">
-                                  <p:stCondLst>
-                                    <p:cond delay="0"/>
-                                  </p:stCondLst>
-                                  <p:childTnLst>
-                                    <p:set>
-                                      <p:cBhvr>
-                                        <p:cTn id="10" dur="1" fill="hold">
-                                          <p:stCondLst>
-                                            <p:cond delay="0"/>
-                                          </p:stCondLst>
-                                        </p:cTn>
-                                        <p:tgtEl>
-                                          <p:spTgt spid="12"/>
-                                        </p:tgtEl>
-                                        <p:attrNameLst>
-                                          <p:attrName>style.visibility</p:attrName>
-                                        </p:attrNameLst>
-                                      </p:cBhvr>
-                                      <p:to>
-                                        <p:strVal val="visible"/>
-                                      </p:to>
-                                    </p:set>
-                                  </p:childTnLst>
-                                </p:cTn>
-                              </p:par>
-                            </p:childTnLst>
-                          </p:cTn>
-                        </p:par>
-                      </p:childTnLst>
-                    </p:cTn>
-                  </p:par>
-                  <p:par>
-                    <p:cTn id="11" fill="hold">
-                      <p:stCondLst>
-                        <p:cond delay="indefinite"/>
-                      </p:stCondLst>
-                      <p:childTnLst>
-                        <p:par>
-                          <p:cTn id="12" fill="hold">
-                            <p:stCondLst>
-                              <p:cond delay="0"/>
-                            </p:stCondLst>
-                            <p:childTnLst>
-                              <p:par>
-                                <p:cTn id="13" presetID="1" presetClass="entr" presetSubtype="0" fill="hold" grpId="0" nodeType="clickEffect">
-                                  <p:stCondLst>
-                                    <p:cond delay="0"/>
-                                  </p:stCondLst>
-                                  <p:childTnLst>
-                                    <p:set>
-                                      <p:cBhvr>
-                                        <p:cTn id="14" dur="1" fill="hold">
-                                          <p:stCondLst>
-                                            <p:cond delay="0"/>
-                                          </p:stCondLst>
-                                        </p:cTn>
-                                        <p:tgtEl>
-                                          <p:spTgt spid="9"/>
-                                        </p:tgtEl>
-                                        <p:attrNameLst>
-                                          <p:attrName>style.visibility</p:attrName>
-                                        </p:attrNameLst>
-                                      </p:cBhvr>
-                                      <p:to>
-                                        <p:strVal val="visible"/>
-                                      </p:to>
-                                    </p:set>
-                                  </p:childTnLst>
-                                </p:cTn>
-                              </p:par>
-                            </p:childTnLst>
-                          </p:cTn>
-                        </p:par>
-                      </p:childTnLst>
-                    </p:cTn>
-                  </p:par>
-                </p:childTnLst>
-              </p:cTn>
-              <p:prevCondLst>
-                <p:cond evt="onPrev" delay="0">
-                  <p:tgtEl>
-                    <p:sldTgt/>
-                  </p:tgtEl>
-                </p:cond>
-              </p:prevCondLst>
-              <p:nextCondLst>
-                <p:cond evt="onNext" delay="0">
-                  <p:tgtEl>
-                    <p:sldTgt/>
-                  </p:tgtEl>
-                </p:cond>
-              </p:nextCondLst>
-            </p:seq>
-          </p:childTnLst>
-        </p:cTn>
-      </p:par>
-    </p:tnLst>
-    <p:bldLst>
-      <p:bldP spid="8" grpId="0" animBg="1"/>
-      <p:bldP spid="9" grpId="0" animBg="1"/>
-    </p:bldLst>
-  </p:timing>
+  <mc:AlternateContent xmlns:mc="http://schemas.openxmlformats.org/markup-compatibility/2006">
+    <mc:Choice xmlns:p14="http://schemas.microsoft.com/office/powerpoint/2010/main" Requires="p14">
+      <p:transition spd="slow" p14:dur="2000" advTm="3254"/>
+    </mc:Choice>
+    <mc:Fallback>
+      <p:transition spd="slow" advTm="3254"/>
+    </mc:Fallback>
+  </mc:AlternateContent>
 </p:sld>
 </file>
 
@@ -9858,7 +8856,7 @@
           </p:nvPr>
         </p:nvPicPr>
         <p:blipFill rotWithShape="1">
-          <a:blip r:embed="rId2">
+          <a:blip r:embed="rId3">
             <a:extLst>
               <a:ext uri="{28A0092B-C50C-407E-A947-70E740481C1C}">
                 <a14:useLocalDpi xmlns:a14="http://schemas.microsoft.com/office/drawing/2010/main" val="0"/>
@@ -9942,7 +8940,7 @@
           </p:nvPr>
         </p:nvPicPr>
         <p:blipFill rotWithShape="1">
-          <a:blip r:embed="rId3">
+          <a:blip r:embed="rId4">
             <a:extLst>
               <a:ext uri="{28A0092B-C50C-407E-A947-70E740481C1C}">
                 <a14:useLocalDpi xmlns:a14="http://schemas.microsoft.com/office/drawing/2010/main" val="0"/>
@@ -9977,7 +8975,7 @@
           <p:nvPr/>
         </p:nvPicPr>
         <p:blipFill>
-          <a:blip r:embed="rId4"/>
+          <a:blip r:embed="rId5"/>
           <a:stretch>
             <a:fillRect/>
           </a:stretch>
@@ -9993,6 +8991,9 @@
         </p:spPr>
       </p:pic>
     </p:spTree>
+    <p:custDataLst>
+      <p:tags r:id="rId1"/>
+    </p:custDataLst>
     <p:extLst>
       <p:ext uri="{BB962C8B-B14F-4D97-AF65-F5344CB8AC3E}">
         <p14:creationId xmlns:p14="http://schemas.microsoft.com/office/powerpoint/2010/main" val="1178073603"/>
@@ -10002,82 +9003,45 @@
   <p:clrMapOvr>
     <a:overrideClrMapping bg1="lt1" tx1="dk1" bg2="lt2" tx2="dk2" accent1="accent1" accent2="accent2" accent3="accent3" accent4="accent4" accent5="accent5" accent6="accent6" hlink="hlink" folHlink="folHlink"/>
   </p:clrMapOvr>
-  <p:timing>
-    <p:tnLst>
-      <p:par>
-        <p:cTn id="1" dur="indefinite" restart="never" nodeType="tmRoot">
-          <p:childTnLst>
-            <p:seq concurrent="1" nextAc="seek">
-              <p:cTn id="2" dur="indefinite" nodeType="mainSeq">
-                <p:childTnLst>
-                  <p:par>
-                    <p:cTn id="3" fill="hold">
-                      <p:stCondLst>
-                        <p:cond delay="indefinite"/>
-                      </p:stCondLst>
-                      <p:childTnLst>
-                        <p:par>
-                          <p:cTn id="4" fill="hold">
-                            <p:stCondLst>
-                              <p:cond delay="0"/>
-                            </p:stCondLst>
-                            <p:childTnLst>
-                              <p:par>
-                                <p:cTn id="5" presetID="1" presetClass="entr" presetSubtype="0" fill="hold" nodeType="clickEffect">
-                                  <p:stCondLst>
-                                    <p:cond delay="0"/>
-                                  </p:stCondLst>
-                                  <p:childTnLst>
-                                    <p:set>
-                                      <p:cBhvr>
-                                        <p:cTn id="6" dur="1" fill="hold">
-                                          <p:stCondLst>
-                                            <p:cond delay="0"/>
-                                          </p:stCondLst>
-                                        </p:cTn>
-                                        <p:tgtEl>
-                                          <p:spTgt spid="5"/>
-                                        </p:tgtEl>
-                                        <p:attrNameLst>
-                                          <p:attrName>style.visibility</p:attrName>
-                                        </p:attrNameLst>
-                                      </p:cBhvr>
-                                      <p:to>
-                                        <p:strVal val="visible"/>
-                                      </p:to>
-                                    </p:set>
-                                  </p:childTnLst>
-                                </p:cTn>
-                              </p:par>
-                            </p:childTnLst>
-                          </p:cTn>
-                        </p:par>
-                      </p:childTnLst>
-                    </p:cTn>
-                  </p:par>
-                </p:childTnLst>
-              </p:cTn>
-              <p:prevCondLst>
-                <p:cond evt="onPrev" delay="0">
-                  <p:tgtEl>
-                    <p:sldTgt/>
-                  </p:tgtEl>
-                </p:cond>
-              </p:prevCondLst>
-              <p:nextCondLst>
-                <p:cond evt="onNext" delay="0">
-                  <p:tgtEl>
-                    <p:sldTgt/>
-                  </p:tgtEl>
-                </p:cond>
-              </p:nextCondLst>
-            </p:seq>
-          </p:childTnLst>
-        </p:cTn>
-      </p:par>
-    </p:tnLst>
-  </p:timing>
+  <mc:AlternateContent xmlns:mc="http://schemas.openxmlformats.org/markup-compatibility/2006">
+    <mc:Choice xmlns:p14="http://schemas.microsoft.com/office/powerpoint/2010/main" Requires="p14">
+      <p:transition spd="slow" p14:dur="2000" advTm="18421"/>
+    </mc:Choice>
+    <mc:Fallback>
+      <p:transition spd="slow" advTm="18421"/>
+    </mc:Fallback>
+  </mc:AlternateContent>
 </p:sld>
+</file>
+
+<file path=ppt/tags/tag1.xml><?xml version="1.0" encoding="utf-8"?>
+<p:tagLst xmlns:a="http://schemas.openxmlformats.org/drawingml/2006/main" xmlns:r="http://schemas.openxmlformats.org/officeDocument/2006/relationships" xmlns:p="http://schemas.openxmlformats.org/presentationml/2006/main">
+  <p:tag name="TIMING" val="|16|0.6|1"/>
+</p:tagLst>
+</file>
+
+<file path=ppt/tags/tag2.xml><?xml version="1.0" encoding="utf-8"?>
+<p:tagLst xmlns:a="http://schemas.openxmlformats.org/drawingml/2006/main" xmlns:r="http://schemas.openxmlformats.org/officeDocument/2006/relationships" xmlns:p="http://schemas.openxmlformats.org/presentationml/2006/main">
+  <p:tag name="TIMING" val="|8.7"/>
+</p:tagLst>
+</file>
+
+<file path=ppt/tags/tag3.xml><?xml version="1.0" encoding="utf-8"?>
+<p:tagLst xmlns:a="http://schemas.openxmlformats.org/drawingml/2006/main" xmlns:r="http://schemas.openxmlformats.org/officeDocument/2006/relationships" xmlns:p="http://schemas.openxmlformats.org/presentationml/2006/main">
+  <p:tag name="TIMING" val="|7.2"/>
+</p:tagLst>
+</file>
+
+<file path=ppt/tags/tag4.xml><?xml version="1.0" encoding="utf-8"?>
+<p:tagLst xmlns:a="http://schemas.openxmlformats.org/drawingml/2006/main" xmlns:r="http://schemas.openxmlformats.org/officeDocument/2006/relationships" xmlns:p="http://schemas.openxmlformats.org/presentationml/2006/main">
+  <p:tag name="TIMING" val="|6.4"/>
+</p:tagLst>
+</file>
+
+<file path=ppt/tags/tag5.xml><?xml version="1.0" encoding="utf-8"?>
+<p:tagLst xmlns:a="http://schemas.openxmlformats.org/drawingml/2006/main" xmlns:r="http://schemas.openxmlformats.org/officeDocument/2006/relationships" xmlns:p="http://schemas.openxmlformats.org/presentationml/2006/main">
+  <p:tag name="TIMING" val="|9.5|1|0.9|1.8|2.9|0.5|0.3|2.7|0.4|0.3|2.6|0.4|0.3|4.4|0.5"/>
+</p:tagLst>
 </file>
 
 <file path=ppt/theme/theme1.xml><?xml version="1.0" encoding="utf-8"?>
